--- a/documents/bootstrap_gridsystem.pptx
+++ b/documents/bootstrap_gridsystem.pptx
@@ -19,6 +19,7 @@
     <p:sldId id="269" r:id="rId13"/>
     <p:sldId id="270" r:id="rId14"/>
     <p:sldId id="271" r:id="rId15"/>
+    <p:sldId id="272" r:id="rId16"/>
   </p:sldIdLst>
   <p:sldSz cx="12192000" cy="6858000"/>
   <p:notesSz cx="6858000" cy="9144000"/>
@@ -117,6 +118,11 @@
       </a:defRPr>
     </a:lvl9pPr>
   </p:defaultTextStyle>
+  <p:extLst>
+    <p:ext uri="{EFAFB233-063F-42B5-8137-9DF3F51BA10A}">
+      <p15:sldGuideLst xmlns:p15="http://schemas.microsoft.com/office/powerpoint/2012/main"/>
+    </p:ext>
+  </p:extLst>
 </p:presentation>
 </file>
 
@@ -269,7 +275,7 @@
           <a:p>
             <a:fld id="{EC488611-5CA6-6842-B19F-4F00A5EAABFE}" type="datetimeFigureOut">
               <a:rPr lang="en-KR" smtClean="0"/>
-              <a:t>10/11/24</a:t>
+              <a:t>10/28/24</a:t>
             </a:fld>
             <a:endParaRPr lang="en-KR"/>
           </a:p>
@@ -469,7 +475,7 @@
           <a:p>
             <a:fld id="{EC488611-5CA6-6842-B19F-4F00A5EAABFE}" type="datetimeFigureOut">
               <a:rPr lang="en-KR" smtClean="0"/>
-              <a:t>10/11/24</a:t>
+              <a:t>10/28/24</a:t>
             </a:fld>
             <a:endParaRPr lang="en-KR"/>
           </a:p>
@@ -679,7 +685,7 @@
           <a:p>
             <a:fld id="{EC488611-5CA6-6842-B19F-4F00A5EAABFE}" type="datetimeFigureOut">
               <a:rPr lang="en-KR" smtClean="0"/>
-              <a:t>10/11/24</a:t>
+              <a:t>10/28/24</a:t>
             </a:fld>
             <a:endParaRPr lang="en-KR"/>
           </a:p>
@@ -879,7 +885,7 @@
           <a:p>
             <a:fld id="{EC488611-5CA6-6842-B19F-4F00A5EAABFE}" type="datetimeFigureOut">
               <a:rPr lang="en-KR" smtClean="0"/>
-              <a:t>10/11/24</a:t>
+              <a:t>10/28/24</a:t>
             </a:fld>
             <a:endParaRPr lang="en-KR"/>
           </a:p>
@@ -1155,7 +1161,7 @@
           <a:p>
             <a:fld id="{EC488611-5CA6-6842-B19F-4F00A5EAABFE}" type="datetimeFigureOut">
               <a:rPr lang="en-KR" smtClean="0"/>
-              <a:t>10/11/24</a:t>
+              <a:t>10/28/24</a:t>
             </a:fld>
             <a:endParaRPr lang="en-KR"/>
           </a:p>
@@ -1423,7 +1429,7 @@
           <a:p>
             <a:fld id="{EC488611-5CA6-6842-B19F-4F00A5EAABFE}" type="datetimeFigureOut">
               <a:rPr lang="en-KR" smtClean="0"/>
-              <a:t>10/11/24</a:t>
+              <a:t>10/28/24</a:t>
             </a:fld>
             <a:endParaRPr lang="en-KR"/>
           </a:p>
@@ -1838,7 +1844,7 @@
           <a:p>
             <a:fld id="{EC488611-5CA6-6842-B19F-4F00A5EAABFE}" type="datetimeFigureOut">
               <a:rPr lang="en-KR" smtClean="0"/>
-              <a:t>10/11/24</a:t>
+              <a:t>10/28/24</a:t>
             </a:fld>
             <a:endParaRPr lang="en-KR"/>
           </a:p>
@@ -1980,7 +1986,7 @@
           <a:p>
             <a:fld id="{EC488611-5CA6-6842-B19F-4F00A5EAABFE}" type="datetimeFigureOut">
               <a:rPr lang="en-KR" smtClean="0"/>
-              <a:t>10/11/24</a:t>
+              <a:t>10/28/24</a:t>
             </a:fld>
             <a:endParaRPr lang="en-KR"/>
           </a:p>
@@ -2093,7 +2099,7 @@
           <a:p>
             <a:fld id="{EC488611-5CA6-6842-B19F-4F00A5EAABFE}" type="datetimeFigureOut">
               <a:rPr lang="en-KR" smtClean="0"/>
-              <a:t>10/11/24</a:t>
+              <a:t>10/28/24</a:t>
             </a:fld>
             <a:endParaRPr lang="en-KR"/>
           </a:p>
@@ -2406,7 +2412,7 @@
           <a:p>
             <a:fld id="{EC488611-5CA6-6842-B19F-4F00A5EAABFE}" type="datetimeFigureOut">
               <a:rPr lang="en-KR" smtClean="0"/>
-              <a:t>10/11/24</a:t>
+              <a:t>10/28/24</a:t>
             </a:fld>
             <a:endParaRPr lang="en-KR"/>
           </a:p>
@@ -2695,7 +2701,7 @@
           <a:p>
             <a:fld id="{EC488611-5CA6-6842-B19F-4F00A5EAABFE}" type="datetimeFigureOut">
               <a:rPr lang="en-KR" smtClean="0"/>
-              <a:t>10/11/24</a:t>
+              <a:t>10/28/24</a:t>
             </a:fld>
             <a:endParaRPr lang="en-KR"/>
           </a:p>
@@ -2938,7 +2944,7 @@
           <a:p>
             <a:fld id="{EC488611-5CA6-6842-B19F-4F00A5EAABFE}" type="datetimeFigureOut">
               <a:rPr lang="en-KR" smtClean="0"/>
-              <a:t>10/11/24</a:t>
+              <a:t>10/28/24</a:t>
             </a:fld>
             <a:endParaRPr lang="en-KR"/>
           </a:p>
@@ -6070,6 +6076,407 @@
     <p:extLst>
       <p:ext uri="{BB962C8B-B14F-4D97-AF65-F5344CB8AC3E}">
         <p14:creationId xmlns:p14="http://schemas.microsoft.com/office/powerpoint/2010/main" val="3518044168"/>
+      </p:ext>
+    </p:extLst>
+  </p:cSld>
+  <p:clrMapOvr>
+    <a:masterClrMapping/>
+  </p:clrMapOvr>
+</p:sld>
+</file>
+
+<file path=ppt/slides/slide15.xml><?xml version="1.0" encoding="utf-8"?>
+<p:sld xmlns:a="http://schemas.openxmlformats.org/drawingml/2006/main" xmlns:r="http://schemas.openxmlformats.org/officeDocument/2006/relationships" xmlns:p="http://schemas.openxmlformats.org/presentationml/2006/main">
+  <p:cSld>
+    <p:spTree>
+      <p:nvGrpSpPr>
+        <p:cNvPr id="1" name=""/>
+        <p:cNvGrpSpPr/>
+        <p:nvPr/>
+      </p:nvGrpSpPr>
+      <p:grpSpPr>
+        <a:xfrm>
+          <a:off x="0" y="0"/>
+          <a:ext cx="0" cy="0"/>
+          <a:chOff x="0" y="0"/>
+          <a:chExt cx="0" cy="0"/>
+        </a:xfrm>
+      </p:grpSpPr>
+      <p:sp>
+        <p:nvSpPr>
+          <p:cNvPr id="4" name="Title 1">
+            <a:extLst>
+              <a:ext uri="{FF2B5EF4-FFF2-40B4-BE49-F238E27FC236}">
+                <a16:creationId xmlns:a16="http://schemas.microsoft.com/office/drawing/2014/main" id="{C88E3AF3-64F7-8180-3D78-CE4B4BF5F6BB}"/>
+              </a:ext>
+            </a:extLst>
+          </p:cNvPr>
+          <p:cNvSpPr>
+            <a:spLocks noGrp="1"/>
+          </p:cNvSpPr>
+          <p:nvPr/>
+        </p:nvSpPr>
+        <p:spPr>
+          <a:xfrm>
+            <a:off x="838200" y="252769"/>
+            <a:ext cx="10515600" cy="713661"/>
+          </a:xfrm>
+          <a:prstGeom prst="rect">
+            <a:avLst/>
+          </a:prstGeom>
+        </p:spPr>
+        <p:txBody>
+          <a:bodyPr vert="horz" lIns="91440" tIns="45720" rIns="91440" bIns="45720" rtlCol="0" anchor="ctr">
+            <a:normAutofit/>
+          </a:bodyPr>
+          <a:lstStyle>
+            <a:lvl1pPr algn="l" defTabSz="914400" rtl="0" eaLnBrk="1" latinLnBrk="0" hangingPunct="1">
+              <a:lnSpc>
+                <a:spcPct val="90000"/>
+              </a:lnSpc>
+              <a:spcBef>
+                <a:spcPct val="0"/>
+              </a:spcBef>
+              <a:buNone/>
+              <a:defRPr sz="4400" kern="1200">
+                <a:solidFill>
+                  <a:schemeClr val="tx1"/>
+                </a:solidFill>
+                <a:latin typeface="+mj-lt"/>
+                <a:ea typeface="+mj-ea"/>
+                <a:cs typeface="+mj-cs"/>
+              </a:defRPr>
+            </a:lvl1pPr>
+          </a:lstStyle>
+          <a:p>
+            <a:r>
+              <a:rPr lang="en-US" dirty="0" err="1"/>
+              <a:t>BootStrap</a:t>
+            </a:r>
+            <a:r>
+              <a:rPr lang="en-US" dirty="0"/>
+              <a:t> Icons</a:t>
+            </a:r>
+            <a:endParaRPr lang="en-KR" dirty="0"/>
+          </a:p>
+        </p:txBody>
+      </p:sp>
+      <p:sp>
+        <p:nvSpPr>
+          <p:cNvPr id="5" name="Content Placeholder 2">
+            <a:extLst>
+              <a:ext uri="{FF2B5EF4-FFF2-40B4-BE49-F238E27FC236}">
+                <a16:creationId xmlns:a16="http://schemas.microsoft.com/office/drawing/2014/main" id="{6C030992-BE8D-E010-EB1D-C54C4818BCC5}"/>
+              </a:ext>
+            </a:extLst>
+          </p:cNvPr>
+          <p:cNvSpPr>
+            <a:spLocks noGrp="1"/>
+          </p:cNvSpPr>
+          <p:nvPr/>
+        </p:nvSpPr>
+        <p:spPr>
+          <a:xfrm>
+            <a:off x="838200" y="1086746"/>
+            <a:ext cx="10515600" cy="5098177"/>
+          </a:xfrm>
+          <a:prstGeom prst="rect">
+            <a:avLst/>
+          </a:prstGeom>
+        </p:spPr>
+        <p:txBody>
+          <a:bodyPr vert="horz" lIns="91440" tIns="45720" rIns="91440" bIns="45720" rtlCol="0">
+            <a:normAutofit/>
+          </a:bodyPr>
+          <a:lstStyle>
+            <a:lvl1pPr marL="228600" indent="-228600" algn="l" defTabSz="914400" rtl="0" eaLnBrk="1" latinLnBrk="0" hangingPunct="1">
+              <a:lnSpc>
+                <a:spcPct val="90000"/>
+              </a:lnSpc>
+              <a:spcBef>
+                <a:spcPts val="1000"/>
+              </a:spcBef>
+              <a:buFont typeface="Arial" panose="020B0604020202020204" pitchFamily="34" charset="0"/>
+              <a:buChar char="•"/>
+              <a:defRPr sz="2800" kern="1200">
+                <a:solidFill>
+                  <a:schemeClr val="tx1"/>
+                </a:solidFill>
+                <a:latin typeface="+mn-lt"/>
+                <a:ea typeface="+mn-ea"/>
+                <a:cs typeface="+mn-cs"/>
+              </a:defRPr>
+            </a:lvl1pPr>
+            <a:lvl2pPr marL="685800" indent="-228600" algn="l" defTabSz="914400" rtl="0" eaLnBrk="1" latinLnBrk="0" hangingPunct="1">
+              <a:lnSpc>
+                <a:spcPct val="90000"/>
+              </a:lnSpc>
+              <a:spcBef>
+                <a:spcPts val="500"/>
+              </a:spcBef>
+              <a:buFont typeface="Arial" panose="020B0604020202020204" pitchFamily="34" charset="0"/>
+              <a:buChar char="•"/>
+              <a:defRPr sz="2400" kern="1200">
+                <a:solidFill>
+                  <a:schemeClr val="tx1"/>
+                </a:solidFill>
+                <a:latin typeface="+mn-lt"/>
+                <a:ea typeface="+mn-ea"/>
+                <a:cs typeface="+mn-cs"/>
+              </a:defRPr>
+            </a:lvl2pPr>
+            <a:lvl3pPr marL="1143000" indent="-228600" algn="l" defTabSz="914400" rtl="0" eaLnBrk="1" latinLnBrk="0" hangingPunct="1">
+              <a:lnSpc>
+                <a:spcPct val="90000"/>
+              </a:lnSpc>
+              <a:spcBef>
+                <a:spcPts val="500"/>
+              </a:spcBef>
+              <a:buFont typeface="Arial" panose="020B0604020202020204" pitchFamily="34" charset="0"/>
+              <a:buChar char="•"/>
+              <a:defRPr sz="2000" kern="1200">
+                <a:solidFill>
+                  <a:schemeClr val="tx1"/>
+                </a:solidFill>
+                <a:latin typeface="+mn-lt"/>
+                <a:ea typeface="+mn-ea"/>
+                <a:cs typeface="+mn-cs"/>
+              </a:defRPr>
+            </a:lvl3pPr>
+            <a:lvl4pPr marL="1600200" indent="-228600" algn="l" defTabSz="914400" rtl="0" eaLnBrk="1" latinLnBrk="0" hangingPunct="1">
+              <a:lnSpc>
+                <a:spcPct val="90000"/>
+              </a:lnSpc>
+              <a:spcBef>
+                <a:spcPts val="500"/>
+              </a:spcBef>
+              <a:buFont typeface="Arial" panose="020B0604020202020204" pitchFamily="34" charset="0"/>
+              <a:buChar char="•"/>
+              <a:defRPr sz="1800" kern="1200">
+                <a:solidFill>
+                  <a:schemeClr val="tx1"/>
+                </a:solidFill>
+                <a:latin typeface="+mn-lt"/>
+                <a:ea typeface="+mn-ea"/>
+                <a:cs typeface="+mn-cs"/>
+              </a:defRPr>
+            </a:lvl4pPr>
+            <a:lvl5pPr marL="2057400" indent="-228600" algn="l" defTabSz="914400" rtl="0" eaLnBrk="1" latinLnBrk="0" hangingPunct="1">
+              <a:lnSpc>
+                <a:spcPct val="90000"/>
+              </a:lnSpc>
+              <a:spcBef>
+                <a:spcPts val="500"/>
+              </a:spcBef>
+              <a:buFont typeface="Arial" panose="020B0604020202020204" pitchFamily="34" charset="0"/>
+              <a:buChar char="•"/>
+              <a:defRPr sz="1800" kern="1200">
+                <a:solidFill>
+                  <a:schemeClr val="tx1"/>
+                </a:solidFill>
+                <a:latin typeface="+mn-lt"/>
+                <a:ea typeface="+mn-ea"/>
+                <a:cs typeface="+mn-cs"/>
+              </a:defRPr>
+            </a:lvl5pPr>
+            <a:lvl6pPr marL="2514600" indent="-228600" algn="l" defTabSz="914400" rtl="0" eaLnBrk="1" latinLnBrk="0" hangingPunct="1">
+              <a:lnSpc>
+                <a:spcPct val="90000"/>
+              </a:lnSpc>
+              <a:spcBef>
+                <a:spcPts val="500"/>
+              </a:spcBef>
+              <a:buFont typeface="Arial" panose="020B0604020202020204" pitchFamily="34" charset="0"/>
+              <a:buChar char="•"/>
+              <a:defRPr sz="1800" kern="1200">
+                <a:solidFill>
+                  <a:schemeClr val="tx1"/>
+                </a:solidFill>
+                <a:latin typeface="+mn-lt"/>
+                <a:ea typeface="+mn-ea"/>
+                <a:cs typeface="+mn-cs"/>
+              </a:defRPr>
+            </a:lvl6pPr>
+            <a:lvl7pPr marL="2971800" indent="-228600" algn="l" defTabSz="914400" rtl="0" eaLnBrk="1" latinLnBrk="0" hangingPunct="1">
+              <a:lnSpc>
+                <a:spcPct val="90000"/>
+              </a:lnSpc>
+              <a:spcBef>
+                <a:spcPts val="500"/>
+              </a:spcBef>
+              <a:buFont typeface="Arial" panose="020B0604020202020204" pitchFamily="34" charset="0"/>
+              <a:buChar char="•"/>
+              <a:defRPr sz="1800" kern="1200">
+                <a:solidFill>
+                  <a:schemeClr val="tx1"/>
+                </a:solidFill>
+                <a:latin typeface="+mn-lt"/>
+                <a:ea typeface="+mn-ea"/>
+                <a:cs typeface="+mn-cs"/>
+              </a:defRPr>
+            </a:lvl7pPr>
+            <a:lvl8pPr marL="3429000" indent="-228600" algn="l" defTabSz="914400" rtl="0" eaLnBrk="1" latinLnBrk="0" hangingPunct="1">
+              <a:lnSpc>
+                <a:spcPct val="90000"/>
+              </a:lnSpc>
+              <a:spcBef>
+                <a:spcPts val="500"/>
+              </a:spcBef>
+              <a:buFont typeface="Arial" panose="020B0604020202020204" pitchFamily="34" charset="0"/>
+              <a:buChar char="•"/>
+              <a:defRPr sz="1800" kern="1200">
+                <a:solidFill>
+                  <a:schemeClr val="tx1"/>
+                </a:solidFill>
+                <a:latin typeface="+mn-lt"/>
+                <a:ea typeface="+mn-ea"/>
+                <a:cs typeface="+mn-cs"/>
+              </a:defRPr>
+            </a:lvl8pPr>
+            <a:lvl9pPr marL="3886200" indent="-228600" algn="l" defTabSz="914400" rtl="0" eaLnBrk="1" latinLnBrk="0" hangingPunct="1">
+              <a:lnSpc>
+                <a:spcPct val="90000"/>
+              </a:lnSpc>
+              <a:spcBef>
+                <a:spcPts val="500"/>
+              </a:spcBef>
+              <a:buFont typeface="Arial" panose="020B0604020202020204" pitchFamily="34" charset="0"/>
+              <a:buChar char="•"/>
+              <a:defRPr sz="1800" kern="1200">
+                <a:solidFill>
+                  <a:schemeClr val="tx1"/>
+                </a:solidFill>
+                <a:latin typeface="+mn-lt"/>
+                <a:ea typeface="+mn-ea"/>
+                <a:cs typeface="+mn-cs"/>
+              </a:defRPr>
+            </a:lvl9pPr>
+          </a:lstStyle>
+          <a:p>
+            <a:r>
+              <a:rPr lang="en-US" altLang="ko-KR" dirty="0"/>
+              <a:t>Icons </a:t>
+            </a:r>
+            <a:r>
+              <a:rPr lang="ko-KR" altLang="en-US" dirty="0"/>
+              <a:t>설치</a:t>
+            </a:r>
+            <a:endParaRPr lang="en-US" altLang="ko-KR" dirty="0"/>
+          </a:p>
+          <a:p>
+            <a:pPr marL="0" indent="0">
+              <a:buNone/>
+            </a:pPr>
+            <a:r>
+              <a:rPr lang="ko-KR" altLang="en-US" dirty="0"/>
+              <a:t> </a:t>
+            </a:r>
+            <a:r>
+              <a:rPr lang="en-US" altLang="ko-KR" dirty="0"/>
+              <a:t>-</a:t>
+            </a:r>
+            <a:r>
+              <a:rPr lang="ko-KR" altLang="en-US" dirty="0"/>
+              <a:t> </a:t>
+            </a:r>
+            <a:r>
+              <a:rPr lang="en-US" altLang="ko-KR" dirty="0" err="1"/>
+              <a:t>npm</a:t>
+            </a:r>
+            <a:r>
+              <a:rPr lang="en-US" altLang="ko-KR" dirty="0"/>
+              <a:t> install bootstrap-icons</a:t>
+            </a:r>
+          </a:p>
+          <a:p>
+            <a:endParaRPr lang="en-US" dirty="0"/>
+          </a:p>
+          <a:p>
+            <a:r>
+              <a:rPr lang="en-US" dirty="0"/>
+              <a:t>Bootstrap-icons </a:t>
+            </a:r>
+            <a:r>
+              <a:rPr lang="ko-KR" altLang="en-US" dirty="0"/>
+              <a:t>설치 후</a:t>
+            </a:r>
+            <a:r>
+              <a:rPr lang="en-US" altLang="ko-KR" dirty="0"/>
+              <a:t> </a:t>
+            </a:r>
+            <a:r>
+              <a:rPr lang="ko-KR" altLang="en-US" dirty="0"/>
+              <a:t>아래의 내용을 </a:t>
+            </a:r>
+            <a:r>
+              <a:rPr lang="en-US" altLang="ko-KR" dirty="0"/>
+              <a:t>import.</a:t>
+            </a:r>
+          </a:p>
+          <a:p>
+            <a:pPr marL="0" indent="0">
+              <a:buNone/>
+            </a:pPr>
+            <a:r>
+              <a:rPr lang="en-US" dirty="0"/>
+              <a:t>import ‘bootstrap/</a:t>
+            </a:r>
+            <a:r>
+              <a:rPr lang="en-US" dirty="0" err="1"/>
+              <a:t>dist</a:t>
+            </a:r>
+            <a:r>
+              <a:rPr lang="en-US" dirty="0"/>
+              <a:t>/</a:t>
+            </a:r>
+            <a:r>
+              <a:rPr lang="en-US" dirty="0" err="1"/>
+              <a:t>css</a:t>
+            </a:r>
+            <a:r>
+              <a:rPr lang="en-US" dirty="0"/>
+              <a:t>/</a:t>
+            </a:r>
+            <a:r>
+              <a:rPr lang="en-US" dirty="0" err="1"/>
+              <a:t>bootstrap.min.css</a:t>
+            </a:r>
+            <a:r>
+              <a:rPr lang="en-US" dirty="0"/>
+              <a:t>’;</a:t>
+            </a:r>
+            <a:endParaRPr lang="en-US" altLang="ko-KR" dirty="0"/>
+          </a:p>
+          <a:p>
+            <a:pPr marL="0" indent="0">
+              <a:buNone/>
+            </a:pPr>
+            <a:r>
+              <a:rPr lang="en-US" dirty="0"/>
+              <a:t>import ‘bootstrap-icons/font/bootstrap-</a:t>
+            </a:r>
+            <a:r>
+              <a:rPr lang="en-US" dirty="0" err="1"/>
+              <a:t>icons.css</a:t>
+            </a:r>
+            <a:r>
+              <a:rPr lang="en-US" dirty="0"/>
+              <a:t>’;</a:t>
+            </a:r>
+            <a:endParaRPr lang="en-KR" dirty="0"/>
+          </a:p>
+          <a:p>
+            <a:pPr marL="0" indent="0">
+              <a:buNone/>
+            </a:pPr>
+            <a:endParaRPr lang="en-US" dirty="0"/>
+          </a:p>
+        </p:txBody>
+      </p:sp>
+    </p:spTree>
+    <p:extLst>
+      <p:ext uri="{BB962C8B-B14F-4D97-AF65-F5344CB8AC3E}">
+        <p14:creationId xmlns:p14="http://schemas.microsoft.com/office/powerpoint/2010/main" val="4194552005"/>
       </p:ext>
     </p:extLst>
   </p:cSld>
